--- a/Modélisation UML.pptx
+++ b/Modélisation UML.pptx
@@ -108,6 +108,11 @@
       </a:defRPr>
     </a:lvl9pPr>
   </p:defaultTextStyle>
+  <p:extLst>
+    <p:ext uri="{EFAFB233-063F-42B5-8137-9DF3F51BA10A}">
+      <p15:sldGuideLst xmlns:p15="http://schemas.microsoft.com/office/powerpoint/2012/main"/>
+    </p:ext>
+  </p:extLst>
 </p:presentation>
 </file>
 
@@ -3726,10 +3731,10 @@
       </p:grpSpPr>
       <p:pic>
         <p:nvPicPr>
-          <p:cNvPr id="3074" name="Picture 2">
-            <a:extLst>
-              <a:ext uri="{FF2B5EF4-FFF2-40B4-BE49-F238E27FC236}">
-                <a16:creationId xmlns:a16="http://schemas.microsoft.com/office/drawing/2014/main" id="{407D0BCF-9F67-4A6F-A848-9F8EDBC36C66}"/>
+          <p:cNvPr id="1026" name="Picture 2">
+            <a:extLst>
+              <a:ext uri="{FF2B5EF4-FFF2-40B4-BE49-F238E27FC236}">
+                <a16:creationId xmlns:a16="http://schemas.microsoft.com/office/drawing/2014/main" id="{05DB008D-6344-4720-A7D6-FAC1616EE796}"/>
               </a:ext>
             </a:extLst>
           </p:cNvPr>
@@ -3753,8 +3758,8 @@
         </p:blipFill>
         <p:spPr bwMode="auto">
           <a:xfrm>
-            <a:off x="1792288" y="0"/>
-            <a:ext cx="8607425" cy="6858000"/>
+            <a:off x="1597025" y="0"/>
+            <a:ext cx="8996363" cy="6858000"/>
           </a:xfrm>
           <a:prstGeom prst="rect">
             <a:avLst/>

--- a/Modélisation UML.pptx
+++ b/Modélisation UML.pptx
@@ -10,6 +10,7 @@
     <p:sldId id="259" r:id="rId4"/>
     <p:sldId id="258" r:id="rId5"/>
     <p:sldId id="260" r:id="rId6"/>
+    <p:sldId id="261" r:id="rId7"/>
   </p:sldIdLst>
   <p:sldSz cx="12192000" cy="6858000"/>
   <p:notesSz cx="6858000" cy="9144000"/>
@@ -3897,8 +3898,8 @@
         </p:nvSpPr>
         <p:spPr>
           <a:xfrm>
-            <a:off x="873853" y="1442906"/>
-            <a:ext cx="10444294" cy="646331"/>
+            <a:off x="873853" y="973840"/>
+            <a:ext cx="10444294" cy="4910319"/>
           </a:xfrm>
           <a:prstGeom prst="rect">
             <a:avLst/>
@@ -3912,13 +3913,128 @@
           <a:lstStyle/>
           <a:p>
             <a:r>
-              <a:rPr lang="fr-FR" u="sng" dirty="0"/>
+              <a:rPr lang="fr-FR" sz="2800" u="sng" dirty="0"/>
               <a:t>Conclusion</a:t>
             </a:r>
             <a:r>
-              <a:rPr lang="fr-FR" dirty="0"/>
+              <a:rPr lang="fr-FR" sz="2800" dirty="0"/>
               <a:t> :</a:t>
             </a:r>
+          </a:p>
+          <a:p>
+            <a:endParaRPr lang="fr-FR" sz="2800" dirty="0"/>
+          </a:p>
+          <a:p>
+            <a:endParaRPr lang="fr-FR" sz="2800" dirty="0"/>
+          </a:p>
+          <a:p>
+            <a:pPr>
+              <a:lnSpc>
+                <a:spcPct val="107000"/>
+              </a:lnSpc>
+              <a:spcAft>
+                <a:spcPts val="800"/>
+              </a:spcAft>
+            </a:pPr>
+            <a:r>
+              <a:rPr lang="fr-FR" sz="2800" dirty="0">
+                <a:effectLst/>
+                <a:latin typeface="Calibri" panose="020F0502020204030204" pitchFamily="34" charset="0"/>
+                <a:ea typeface="Calibri" panose="020F0502020204030204" pitchFamily="34" charset="0"/>
+                <a:cs typeface="Times New Roman" panose="02020603050405020304" pitchFamily="18" charset="0"/>
+              </a:rPr>
+              <a:t> </a:t>
+            </a:r>
+          </a:p>
+          <a:p>
+            <a:pPr marL="342900" lvl="0" indent="-342900">
+              <a:lnSpc>
+                <a:spcPct val="107000"/>
+              </a:lnSpc>
+              <a:buFont typeface="Symbol" panose="05050102010706020507" pitchFamily="18" charset="2"/>
+              <a:buChar char=""/>
+            </a:pPr>
+            <a:r>
+              <a:rPr lang="fr-FR" sz="2800" dirty="0">
+                <a:effectLst/>
+                <a:latin typeface="Calibri" panose="020F0502020204030204" pitchFamily="34" charset="0"/>
+                <a:ea typeface="Calibri" panose="020F0502020204030204" pitchFamily="34" charset="0"/>
+                <a:cs typeface="Times New Roman" panose="02020603050405020304" pitchFamily="18" charset="0"/>
+              </a:rPr>
+              <a:t>Finition des diagrammes UML </a:t>
+            </a:r>
+          </a:p>
+          <a:p>
+            <a:pPr marL="342900" lvl="0" indent="-342900">
+              <a:lnSpc>
+                <a:spcPct val="107000"/>
+              </a:lnSpc>
+              <a:buFont typeface="Symbol" panose="05050102010706020507" pitchFamily="18" charset="2"/>
+              <a:buChar char=""/>
+            </a:pPr>
+            <a:endParaRPr lang="fr-FR" sz="2800" dirty="0">
+              <a:effectLst/>
+              <a:latin typeface="Calibri" panose="020F0502020204030204" pitchFamily="34" charset="0"/>
+              <a:ea typeface="Calibri" panose="020F0502020204030204" pitchFamily="34" charset="0"/>
+              <a:cs typeface="Times New Roman" panose="02020603050405020304" pitchFamily="18" charset="0"/>
+            </a:endParaRPr>
+          </a:p>
+          <a:p>
+            <a:pPr marL="342900" lvl="0" indent="-342900">
+              <a:lnSpc>
+                <a:spcPct val="107000"/>
+              </a:lnSpc>
+              <a:buFont typeface="Symbol" panose="05050102010706020507" pitchFamily="18" charset="2"/>
+              <a:buChar char=""/>
+            </a:pPr>
+            <a:r>
+              <a:rPr lang="fr-FR" sz="2800" dirty="0">
+                <a:effectLst/>
+                <a:latin typeface="Calibri" panose="020F0502020204030204" pitchFamily="34" charset="0"/>
+                <a:ea typeface="Calibri" panose="020F0502020204030204" pitchFamily="34" charset="0"/>
+                <a:cs typeface="Times New Roman" panose="02020603050405020304" pitchFamily="18" charset="0"/>
+              </a:rPr>
+              <a:t>Changements possibles des diagrammes</a:t>
+            </a:r>
+          </a:p>
+          <a:p>
+            <a:pPr marL="342900" lvl="0" indent="-342900">
+              <a:lnSpc>
+                <a:spcPct val="107000"/>
+              </a:lnSpc>
+              <a:buFont typeface="Symbol" panose="05050102010706020507" pitchFamily="18" charset="2"/>
+              <a:buChar char=""/>
+            </a:pPr>
+            <a:endParaRPr lang="fr-FR" sz="2800" dirty="0">
+              <a:effectLst/>
+              <a:latin typeface="Calibri" panose="020F0502020204030204" pitchFamily="34" charset="0"/>
+              <a:ea typeface="Calibri" panose="020F0502020204030204" pitchFamily="34" charset="0"/>
+              <a:cs typeface="Times New Roman" panose="02020603050405020304" pitchFamily="18" charset="0"/>
+            </a:endParaRPr>
+          </a:p>
+          <a:p>
+            <a:pPr marL="342900" lvl="0" indent="-342900">
+              <a:lnSpc>
+                <a:spcPct val="107000"/>
+              </a:lnSpc>
+              <a:spcAft>
+                <a:spcPts val="800"/>
+              </a:spcAft>
+              <a:buFont typeface="Symbol" panose="05050102010706020507" pitchFamily="18" charset="2"/>
+              <a:buChar char=""/>
+            </a:pPr>
+            <a:r>
+              <a:rPr lang="fr-FR" sz="2800" dirty="0">
+                <a:effectLst/>
+                <a:latin typeface="Calibri" panose="020F0502020204030204" pitchFamily="34" charset="0"/>
+                <a:ea typeface="Calibri" panose="020F0502020204030204" pitchFamily="34" charset="0"/>
+                <a:cs typeface="Times New Roman" panose="02020603050405020304" pitchFamily="18" charset="0"/>
+              </a:rPr>
+              <a:t>Conception de l’interface graphique</a:t>
+            </a:r>
+          </a:p>
+          <a:p>
+            <a:endParaRPr lang="fr-FR" dirty="0"/>
           </a:p>
           <a:p>
             <a:endParaRPr lang="fr-FR" dirty="0"/>
@@ -3929,6 +4045,72 @@
     <p:extLst>
       <p:ext uri="{BB962C8B-B14F-4D97-AF65-F5344CB8AC3E}">
         <p14:creationId xmlns:p14="http://schemas.microsoft.com/office/powerpoint/2010/main" val="544969529"/>
+      </p:ext>
+    </p:extLst>
+  </p:cSld>
+  <p:clrMapOvr>
+    <a:masterClrMapping/>
+  </p:clrMapOvr>
+</p:sld>
+</file>
+
+<file path=ppt/slides/slide6.xml><?xml version="1.0" encoding="utf-8"?>
+<p:sld xmlns:a="http://schemas.openxmlformats.org/drawingml/2006/main" xmlns:r="http://schemas.openxmlformats.org/officeDocument/2006/relationships" xmlns:p="http://schemas.openxmlformats.org/presentationml/2006/main">
+  <p:cSld>
+    <p:spTree>
+      <p:nvGrpSpPr>
+        <p:cNvPr id="1" name=""/>
+        <p:cNvGrpSpPr/>
+        <p:nvPr/>
+      </p:nvGrpSpPr>
+      <p:grpSpPr>
+        <a:xfrm>
+          <a:off x="0" y="0"/>
+          <a:ext cx="0" cy="0"/>
+          <a:chOff x="0" y="0"/>
+          <a:chExt cx="0" cy="0"/>
+        </a:xfrm>
+      </p:grpSpPr>
+      <p:pic>
+        <p:nvPicPr>
+          <p:cNvPr id="5" name="Image 4">
+            <a:extLst>
+              <a:ext uri="{FF2B5EF4-FFF2-40B4-BE49-F238E27FC236}">
+                <a16:creationId xmlns:a16="http://schemas.microsoft.com/office/drawing/2014/main" id="{99E4FC00-0B90-49E0-AF58-0DF5A5636CE4}"/>
+              </a:ext>
+            </a:extLst>
+          </p:cNvPr>
+          <p:cNvPicPr>
+            <a:picLocks noChangeAspect="1"/>
+          </p:cNvPicPr>
+          <p:nvPr/>
+        </p:nvPicPr>
+        <p:blipFill>
+          <a:blip r:embed="rId2">
+            <a:extLst>
+              <a:ext uri="{28A0092B-C50C-407E-A947-70E740481C1C}">
+                <a14:useLocalDpi xmlns:a14="http://schemas.microsoft.com/office/drawing/2010/main" val="0"/>
+              </a:ext>
+            </a:extLst>
+          </a:blip>
+          <a:stretch>
+            <a:fillRect/>
+          </a:stretch>
+        </p:blipFill>
+        <p:spPr>
+          <a:xfrm>
+            <a:off x="1505339" y="0"/>
+            <a:ext cx="9181322" cy="6858000"/>
+          </a:xfrm>
+          <a:prstGeom prst="rect">
+            <a:avLst/>
+          </a:prstGeom>
+        </p:spPr>
+      </p:pic>
+    </p:spTree>
+    <p:extLst>
+      <p:ext uri="{BB962C8B-B14F-4D97-AF65-F5344CB8AC3E}">
+        <p14:creationId xmlns:p14="http://schemas.microsoft.com/office/powerpoint/2010/main" val="3541474782"/>
       </p:ext>
     </p:extLst>
   </p:cSld>
